--- a/docs/5_데이터획득계획서/유튜브데이터수집방안.pptx
+++ b/docs/5_데이터획득계획서/유튜브데이터수집방안.pptx
@@ -243,7 +243,7 @@
           <a:p>
             <a:fld id="{17160CC6-C7F6-40B6-8117-DB00D1DD4B51}" type="datetimeFigureOut">
               <a:rPr lang="ko-KR" altLang="en-US" smtClean="0"/>
-              <a:t>2018-12-20</a:t>
+              <a:t>2018-12-21</a:t>
             </a:fld>
             <a:endParaRPr lang="ko-KR" altLang="en-US"/>
           </a:p>
@@ -413,7 +413,7 @@
           <a:p>
             <a:fld id="{17160CC6-C7F6-40B6-8117-DB00D1DD4B51}" type="datetimeFigureOut">
               <a:rPr lang="ko-KR" altLang="en-US" smtClean="0"/>
-              <a:t>2018-12-20</a:t>
+              <a:t>2018-12-21</a:t>
             </a:fld>
             <a:endParaRPr lang="ko-KR" altLang="en-US"/>
           </a:p>
@@ -593,7 +593,7 @@
           <a:p>
             <a:fld id="{17160CC6-C7F6-40B6-8117-DB00D1DD4B51}" type="datetimeFigureOut">
               <a:rPr lang="ko-KR" altLang="en-US" smtClean="0"/>
-              <a:t>2018-12-20</a:t>
+              <a:t>2018-12-21</a:t>
             </a:fld>
             <a:endParaRPr lang="ko-KR" altLang="en-US"/>
           </a:p>
@@ -763,7 +763,7 @@
           <a:p>
             <a:fld id="{17160CC6-C7F6-40B6-8117-DB00D1DD4B51}" type="datetimeFigureOut">
               <a:rPr lang="ko-KR" altLang="en-US" smtClean="0"/>
-              <a:t>2018-12-20</a:t>
+              <a:t>2018-12-21</a:t>
             </a:fld>
             <a:endParaRPr lang="ko-KR" altLang="en-US"/>
           </a:p>
@@ -1009,7 +1009,7 @@
           <a:p>
             <a:fld id="{17160CC6-C7F6-40B6-8117-DB00D1DD4B51}" type="datetimeFigureOut">
               <a:rPr lang="ko-KR" altLang="en-US" smtClean="0"/>
-              <a:t>2018-12-20</a:t>
+              <a:t>2018-12-21</a:t>
             </a:fld>
             <a:endParaRPr lang="ko-KR" altLang="en-US"/>
           </a:p>
@@ -1241,7 +1241,7 @@
           <a:p>
             <a:fld id="{17160CC6-C7F6-40B6-8117-DB00D1DD4B51}" type="datetimeFigureOut">
               <a:rPr lang="ko-KR" altLang="en-US" smtClean="0"/>
-              <a:t>2018-12-20</a:t>
+              <a:t>2018-12-21</a:t>
             </a:fld>
             <a:endParaRPr lang="ko-KR" altLang="en-US"/>
           </a:p>
@@ -1608,7 +1608,7 @@
           <a:p>
             <a:fld id="{17160CC6-C7F6-40B6-8117-DB00D1DD4B51}" type="datetimeFigureOut">
               <a:rPr lang="ko-KR" altLang="en-US" smtClean="0"/>
-              <a:t>2018-12-20</a:t>
+              <a:t>2018-12-21</a:t>
             </a:fld>
             <a:endParaRPr lang="ko-KR" altLang="en-US"/>
           </a:p>
@@ -1726,7 +1726,7 @@
           <a:p>
             <a:fld id="{17160CC6-C7F6-40B6-8117-DB00D1DD4B51}" type="datetimeFigureOut">
               <a:rPr lang="ko-KR" altLang="en-US" smtClean="0"/>
-              <a:t>2018-12-20</a:t>
+              <a:t>2018-12-21</a:t>
             </a:fld>
             <a:endParaRPr lang="ko-KR" altLang="en-US"/>
           </a:p>
@@ -1821,7 +1821,7 @@
           <a:p>
             <a:fld id="{17160CC6-C7F6-40B6-8117-DB00D1DD4B51}" type="datetimeFigureOut">
               <a:rPr lang="ko-KR" altLang="en-US" smtClean="0"/>
-              <a:t>2018-12-20</a:t>
+              <a:t>2018-12-21</a:t>
             </a:fld>
             <a:endParaRPr lang="ko-KR" altLang="en-US"/>
           </a:p>
@@ -2098,7 +2098,7 @@
           <a:p>
             <a:fld id="{17160CC6-C7F6-40B6-8117-DB00D1DD4B51}" type="datetimeFigureOut">
               <a:rPr lang="ko-KR" altLang="en-US" smtClean="0"/>
-              <a:t>2018-12-20</a:t>
+              <a:t>2018-12-21</a:t>
             </a:fld>
             <a:endParaRPr lang="ko-KR" altLang="en-US"/>
           </a:p>
@@ -2351,7 +2351,7 @@
           <a:p>
             <a:fld id="{17160CC6-C7F6-40B6-8117-DB00D1DD4B51}" type="datetimeFigureOut">
               <a:rPr lang="ko-KR" altLang="en-US" smtClean="0"/>
-              <a:t>2018-12-20</a:t>
+              <a:t>2018-12-21</a:t>
             </a:fld>
             <a:endParaRPr lang="ko-KR" altLang="en-US"/>
           </a:p>
@@ -2564,7 +2564,7 @@
           <a:p>
             <a:fld id="{17160CC6-C7F6-40B6-8117-DB00D1DD4B51}" type="datetimeFigureOut">
               <a:rPr lang="ko-KR" altLang="en-US" smtClean="0"/>
-              <a:t>2018-12-20</a:t>
+              <a:t>2018-12-21</a:t>
             </a:fld>
             <a:endParaRPr lang="ko-KR" altLang="en-US"/>
           </a:p>
@@ -3079,11 +3079,7 @@
                       </a:r>
                       <a:r>
                         <a:rPr lang="ko-KR" altLang="en-US" dirty="0" smtClean="0"/>
-                        <a:t> </a:t>
-                      </a:r>
-                      <a:r>
-                        <a:rPr lang="ko-KR" altLang="en-US" dirty="0" smtClean="0"/>
-                        <a:t>채널 고유 </a:t>
+                        <a:t> 채널 고유 </a:t>
                       </a:r>
                       <a:r>
                         <a:rPr lang="en-US" altLang="ko-KR" dirty="0" smtClean="0"/>
@@ -3569,11 +3565,7 @@
                       <a:pPr algn="ctr" latinLnBrk="1"/>
                       <a:r>
                         <a:rPr lang="ko-KR" altLang="en-US" sz="1400" dirty="0" smtClean="0"/>
-                        <a:t>일반 </a:t>
-                      </a:r>
-                      <a:r>
-                        <a:rPr lang="ko-KR" altLang="en-US" sz="1400" dirty="0" smtClean="0"/>
-                        <a:t>동영상</a:t>
+                        <a:t>일반 동영상</a:t>
                       </a:r>
                       <a:endParaRPr lang="ko-KR" altLang="en-US" sz="1400" b="1" dirty="0"/>
                     </a:p>
@@ -4494,14 +4486,14 @@
           <p:nvPr>
             <p:extLst>
               <p:ext uri="{D42A27DB-BD31-4B8C-83A1-F6EECF244321}">
-                <p14:modId xmlns:p14="http://schemas.microsoft.com/office/powerpoint/2010/main" val="1038294297"/>
+                <p14:modId xmlns:p14="http://schemas.microsoft.com/office/powerpoint/2010/main" val="2538286660"/>
               </p:ext>
             </p:extLst>
           </p:nvPr>
         </p:nvGraphicFramePr>
         <p:xfrm>
           <a:off x="6585531" y="4689409"/>
-          <a:ext cx="1792259" cy="514409"/>
+          <a:ext cx="1792259" cy="727768"/>
         </p:xfrm>
         <a:graphic>
           <a:graphicData uri="http://schemas.openxmlformats.org/drawingml/2006/table">
@@ -4518,7 +4510,7 @@
                   </a:extLst>
                 </a:gridCol>
               </a:tblGrid>
-              <a:tr h="514409">
+              <a:tr h="727768">
                 <a:tc>
                   <a:txBody>
                     <a:bodyPr/>
@@ -4557,14 +4549,14 @@
           <p:nvPr>
             <p:extLst>
               <p:ext uri="{D42A27DB-BD31-4B8C-83A1-F6EECF244321}">
-                <p14:modId xmlns:p14="http://schemas.microsoft.com/office/powerpoint/2010/main" val="3720846531"/>
+                <p14:modId xmlns:p14="http://schemas.microsoft.com/office/powerpoint/2010/main" val="3821623093"/>
               </p:ext>
             </p:extLst>
           </p:nvPr>
         </p:nvGraphicFramePr>
         <p:xfrm>
-          <a:off x="8377790" y="4685658"/>
-          <a:ext cx="1945226" cy="518160"/>
+          <a:off x="8377790" y="4685657"/>
+          <a:ext cx="1945226" cy="731520"/>
         </p:xfrm>
         <a:graphic>
           <a:graphicData uri="http://schemas.openxmlformats.org/drawingml/2006/table">
@@ -4581,7 +4573,7 @@
                   </a:extLst>
                 </a:gridCol>
               </a:tblGrid>
-              <a:tr h="294881">
+              <a:tr h="709467">
                 <a:tc>
                   <a:txBody>
                     <a:bodyPr/>
@@ -4614,11 +4606,23 @@
                       </a:r>
                       <a:r>
                         <a:rPr lang="en-US" altLang="ko-KR" sz="1400" baseline="0" dirty="0" smtClean="0"/>
-                        <a:t>ID∙</a:t>
-                      </a:r>
-                      <a:r>
-                        <a:rPr lang="ko-KR" altLang="en-US" sz="1400" baseline="0" dirty="0" err="1" smtClean="0"/>
-                        <a:t>구독날짜</a:t>
+                        <a:t>ID</a:t>
+                      </a:r>
+                      <a:r>
+                        <a:rPr lang="en-US" altLang="ko-KR" sz="1400" baseline="0" dirty="0" smtClean="0"/>
+                        <a:t>∙ </a:t>
+                      </a:r>
+                      <a:r>
+                        <a:rPr lang="ko-KR" altLang="en-US" sz="1400" baseline="0" dirty="0" smtClean="0"/>
+                        <a:t>구독   날짜</a:t>
+                      </a:r>
+                      <a:r>
+                        <a:rPr lang="en-US" altLang="ko-KR" sz="1400" baseline="0" dirty="0" smtClean="0"/>
+                        <a:t>, </a:t>
+                      </a:r>
+                      <a:r>
+                        <a:rPr lang="ko-KR" altLang="en-US" sz="1400" baseline="0" dirty="0" smtClean="0"/>
+                        <a:t>실제 구독 비율</a:t>
                       </a:r>
                       <a:r>
                         <a:rPr lang="en-US" altLang="ko-KR" sz="1400" baseline="0" dirty="0" smtClean="0"/>
